--- a/text/13组记账本.pptx
+++ b/text/13组记账本.pptx
@@ -220,7 +220,7 @@
           <a:p>
             <a:fld id="{B4B6DE49-89FD-4DAC-8689-D8FD621F3D0B}" type="datetimeFigureOut">
               <a:rPr lang="zh-CN" altLang="en-US" smtClean="0"/>
-              <a:t>2021/5/13</a:t>
+              <a:t>2021/5/15</a:t>
             </a:fld>
             <a:endParaRPr lang="zh-CN" altLang="en-US"/>
           </a:p>
@@ -718,7 +718,7 @@
           <a:p>
             <a:fld id="{DCA097F4-DBFA-4A34-A4E1-97C823F559E9}" type="datetimeFigureOut">
               <a:rPr lang="zh-CN" altLang="en-US" smtClean="0"/>
-              <a:t>2021/5/13</a:t>
+              <a:t>2021/5/15</a:t>
             </a:fld>
             <a:endParaRPr lang="zh-CN" altLang="en-US"/>
           </a:p>
@@ -1006,7 +1006,7 @@
           <a:p>
             <a:fld id="{DCA097F4-DBFA-4A34-A4E1-97C823F559E9}" type="datetimeFigureOut">
               <a:rPr lang="zh-CN" altLang="en-US" smtClean="0"/>
-              <a:t>2021/5/13</a:t>
+              <a:t>2021/5/15</a:t>
             </a:fld>
             <a:endParaRPr lang="zh-CN" altLang="en-US"/>
           </a:p>
@@ -1204,7 +1204,7 @@
           <a:p>
             <a:fld id="{DCA097F4-DBFA-4A34-A4E1-97C823F559E9}" type="datetimeFigureOut">
               <a:rPr lang="zh-CN" altLang="en-US" smtClean="0"/>
-              <a:t>2021/5/13</a:t>
+              <a:t>2021/5/15</a:t>
             </a:fld>
             <a:endParaRPr lang="zh-CN" altLang="en-US"/>
           </a:p>
@@ -1412,7 +1412,7 @@
           <a:p>
             <a:fld id="{DCA097F4-DBFA-4A34-A4E1-97C823F559E9}" type="datetimeFigureOut">
               <a:rPr lang="zh-CN" altLang="en-US" smtClean="0"/>
-              <a:t>2021/5/13</a:t>
+              <a:t>2021/5/15</a:t>
             </a:fld>
             <a:endParaRPr lang="zh-CN" altLang="en-US"/>
           </a:p>
@@ -1621,7 +1621,7 @@
                 </a:solidFill>
               </a:rPr>
               <a:pPr/>
-              <a:t>2021/5/13</a:t>
+              <a:t>2021/5/15</a:t>
             </a:fld>
             <a:endParaRPr lang="zh-CN" altLang="en-US">
               <a:solidFill>
@@ -1851,7 +1851,7 @@
                 </a:solidFill>
               </a:rPr>
               <a:pPr/>
-              <a:t>2021/5/13</a:t>
+              <a:t>2021/5/15</a:t>
             </a:fld>
             <a:endParaRPr lang="zh-CN" altLang="en-US">
               <a:solidFill>
@@ -2100,7 +2100,7 @@
           <a:p>
             <a:fld id="{DCA097F4-DBFA-4A34-A4E1-97C823F559E9}" type="datetimeFigureOut">
               <a:rPr lang="zh-CN" altLang="en-US" smtClean="0"/>
-              <a:t>2021/5/13</a:t>
+              <a:t>2021/5/15</a:t>
             </a:fld>
             <a:endParaRPr lang="zh-CN" altLang="en-US"/>
           </a:p>
@@ -2375,7 +2375,7 @@
           <a:p>
             <a:fld id="{DCA097F4-DBFA-4A34-A4E1-97C823F559E9}" type="datetimeFigureOut">
               <a:rPr lang="zh-CN" altLang="en-US" smtClean="0"/>
-              <a:t>2021/5/13</a:t>
+              <a:t>2021/5/15</a:t>
             </a:fld>
             <a:endParaRPr lang="zh-CN" altLang="en-US"/>
           </a:p>
@@ -2640,7 +2640,7 @@
           <a:p>
             <a:fld id="{DCA097F4-DBFA-4A34-A4E1-97C823F559E9}" type="datetimeFigureOut">
               <a:rPr lang="zh-CN" altLang="en-US" smtClean="0"/>
-              <a:t>2021/5/13</a:t>
+              <a:t>2021/5/15</a:t>
             </a:fld>
             <a:endParaRPr lang="zh-CN" altLang="en-US"/>
           </a:p>
@@ -3052,7 +3052,7 @@
           <a:p>
             <a:fld id="{DCA097F4-DBFA-4A34-A4E1-97C823F559E9}" type="datetimeFigureOut">
               <a:rPr lang="zh-CN" altLang="en-US" smtClean="0"/>
-              <a:t>2021/5/13</a:t>
+              <a:t>2021/5/15</a:t>
             </a:fld>
             <a:endParaRPr lang="zh-CN" altLang="en-US"/>
           </a:p>
@@ -3576,7 +3576,7 @@
           <a:p>
             <a:fld id="{DCA097F4-DBFA-4A34-A4E1-97C823F559E9}" type="datetimeFigureOut">
               <a:rPr lang="zh-CN" altLang="en-US" smtClean="0"/>
-              <a:t>2021/5/13</a:t>
+              <a:t>2021/5/15</a:t>
             </a:fld>
             <a:endParaRPr lang="zh-CN" altLang="en-US"/>
           </a:p>
@@ -3689,7 +3689,7 @@
           <a:p>
             <a:fld id="{DCA097F4-DBFA-4A34-A4E1-97C823F559E9}" type="datetimeFigureOut">
               <a:rPr lang="zh-CN" altLang="en-US" smtClean="0"/>
-              <a:t>2021/5/13</a:t>
+              <a:t>2021/5/15</a:t>
             </a:fld>
             <a:endParaRPr lang="zh-CN" altLang="en-US"/>
           </a:p>
@@ -4000,7 +4000,7 @@
           <a:p>
             <a:fld id="{DCA097F4-DBFA-4A34-A4E1-97C823F559E9}" type="datetimeFigureOut">
               <a:rPr lang="zh-CN" altLang="en-US" smtClean="0"/>
-              <a:t>2021/5/13</a:t>
+              <a:t>2021/5/15</a:t>
             </a:fld>
             <a:endParaRPr lang="zh-CN" altLang="en-US"/>
           </a:p>
@@ -4241,7 +4241,7 @@
           <a:p>
             <a:fld id="{DCA097F4-DBFA-4A34-A4E1-97C823F559E9}" type="datetimeFigureOut">
               <a:rPr lang="zh-CN" altLang="en-US" smtClean="0"/>
-              <a:t>2021/5/13</a:t>
+              <a:t>2021/5/15</a:t>
             </a:fld>
             <a:endParaRPr lang="zh-CN" altLang="en-US"/>
           </a:p>
@@ -5000,7 +5000,7 @@
                 <a:cs typeface="+mn-ea"/>
                 <a:sym typeface="+mn-lt"/>
               </a:rPr>
-              <a:t>记事本选题汇报</a:t>
+              <a:t>记账本选题汇报</a:t>
             </a:r>
             <a:r>
               <a:rPr lang="en-US" altLang="zh-CN" sz="4800" dirty="0">
